--- a/Team 8 Final Project.pptx
+++ b/Team 8 Final Project.pptx
@@ -111,6 +111,11 @@
       </a:defRPr>
     </a:lvl9pPr>
   </p:defaultTextStyle>
+  <p:extLst>
+    <p:ext uri="{EFAFB233-063F-42B5-8137-9DF3F51BA10A}">
+      <p15:sldGuideLst xmlns:p15="http://schemas.microsoft.com/office/powerpoint/2012/main"/>
+    </p:ext>
+  </p:extLst>
 </p:presentation>
 </file>
 
@@ -6415,7 +6420,7 @@
       </p:sp>
       <p:pic>
         <p:nvPicPr>
-          <p:cNvPr id="4" name="Content Placeholder 3"/>
+          <p:cNvPr id="5" name="Content Placeholder 4"/>
           <p:cNvPicPr>
             <a:picLocks noGrp="1" noChangeAspect="1"/>
           </p:cNvPicPr>
@@ -6437,8 +6442,8 @@
         </p:blipFill>
         <p:spPr>
           <a:xfrm>
-            <a:off x="4975667" y="669537"/>
-            <a:ext cx="5957375" cy="5605349"/>
+            <a:off x="5039764" y="778066"/>
+            <a:ext cx="5744350" cy="5404912"/>
           </a:xfrm>
         </p:spPr>
       </p:pic>
